--- a/Chapter7/Figures/Fig17.pptx
+++ b/Chapter7/Figures/Fig17.pptx
@@ -10,7 +10,7 @@
   <p:sldIdLst>
     <p:sldId id="256" r:id="rId2"/>
   </p:sldIdLst>
-  <p:sldSz cx="10801350" cy="11880850"/>
+  <p:sldSz cx="10801350" cy="13141325"/>
   <p:notesSz cx="6858000" cy="9144000"/>
   <p:defaultTextStyle>
     <a:defPPr>
@@ -192,7 +192,7 @@
           <a:p>
             <a:fld id="{9A083704-6C3E-455C-B597-2629F078FCFE}" type="datetimeFigureOut">
               <a:rPr lang="en-GB" smtClean="0"/>
-              <a:t>05/06/2014</a:t>
+              <a:t>10/09/2014</a:t>
             </a:fld>
             <a:endParaRPr lang="en-GB"/>
           </a:p>
@@ -210,8 +210,8 @@
         </p:nvSpPr>
         <p:spPr>
           <a:xfrm>
-            <a:off x="1870075" y="685800"/>
-            <a:ext cx="3117850" cy="3429000"/>
+            <a:off x="2019300" y="685800"/>
+            <a:ext cx="2819400" cy="3429000"/>
           </a:xfrm>
           <a:prstGeom prst="rect">
             <a:avLst/>
@@ -489,8 +489,8 @@
         </p:nvSpPr>
         <p:spPr>
           <a:xfrm>
-            <a:off x="1870075" y="685800"/>
-            <a:ext cx="3117850" cy="3429000"/>
+            <a:off x="2019300" y="685800"/>
+            <a:ext cx="2819400" cy="3429000"/>
           </a:xfrm>
         </p:spPr>
       </p:sp>
@@ -578,8 +578,8 @@
         </p:nvSpPr>
         <p:spPr>
           <a:xfrm>
-            <a:off x="810112" y="3690769"/>
-            <a:ext cx="9181149" cy="2546682"/>
+            <a:off x="810112" y="4082335"/>
+            <a:ext cx="9181149" cy="2816867"/>
           </a:xfrm>
         </p:spPr>
         <p:txBody>
@@ -606,8 +606,8 @@
         </p:nvSpPr>
         <p:spPr>
           <a:xfrm>
-            <a:off x="1620214" y="6732486"/>
-            <a:ext cx="7560945" cy="3036218"/>
+            <a:off x="1620214" y="7446756"/>
+            <a:ext cx="7560945" cy="3358339"/>
           </a:xfrm>
         </p:spPr>
         <p:txBody>
@@ -730,7 +730,7 @@
           <a:p>
             <a:fld id="{4D792E19-0BEC-4B8D-B7D3-C8ECEB03A1A5}" type="datetimeFigureOut">
               <a:rPr lang="en-GB" smtClean="0"/>
-              <a:t>05/06/2014</a:t>
+              <a:t>10/09/2014</a:t>
             </a:fld>
             <a:endParaRPr lang="en-GB"/>
           </a:p>
@@ -900,7 +900,7 @@
           <a:p>
             <a:fld id="{4D792E19-0BEC-4B8D-B7D3-C8ECEB03A1A5}" type="datetimeFigureOut">
               <a:rPr lang="en-GB" smtClean="0"/>
-              <a:t>05/06/2014</a:t>
+              <a:t>10/09/2014</a:t>
             </a:fld>
             <a:endParaRPr lang="en-GB"/>
           </a:p>
@@ -990,8 +990,8 @@
         </p:nvSpPr>
         <p:spPr>
           <a:xfrm>
-            <a:off x="7830989" y="475788"/>
-            <a:ext cx="2430303" cy="10137226"/>
+            <a:off x="7830992" y="526266"/>
+            <a:ext cx="2430303" cy="11212714"/>
           </a:xfrm>
         </p:spPr>
         <p:txBody>
@@ -1018,8 +1018,8 @@
         </p:nvSpPr>
         <p:spPr>
           <a:xfrm>
-            <a:off x="540069" y="475788"/>
-            <a:ext cx="7110888" cy="10137226"/>
+            <a:off x="540069" y="526266"/>
+            <a:ext cx="7110888" cy="11212714"/>
           </a:xfrm>
         </p:spPr>
         <p:txBody>
@@ -1080,7 +1080,7 @@
           <a:p>
             <a:fld id="{4D792E19-0BEC-4B8D-B7D3-C8ECEB03A1A5}" type="datetimeFigureOut">
               <a:rPr lang="en-GB" smtClean="0"/>
-              <a:t>05/06/2014</a:t>
+              <a:t>10/09/2014</a:t>
             </a:fld>
             <a:endParaRPr lang="en-GB"/>
           </a:p>
@@ -1250,7 +1250,7 @@
           <a:p>
             <a:fld id="{4D792E19-0BEC-4B8D-B7D3-C8ECEB03A1A5}" type="datetimeFigureOut">
               <a:rPr lang="en-GB" smtClean="0"/>
-              <a:t>05/06/2014</a:t>
+              <a:t>10/09/2014</a:t>
             </a:fld>
             <a:endParaRPr lang="en-GB"/>
           </a:p>
@@ -1340,8 +1340,8 @@
         </p:nvSpPr>
         <p:spPr>
           <a:xfrm>
-            <a:off x="853241" y="7634551"/>
-            <a:ext cx="9181149" cy="2359667"/>
+            <a:off x="853244" y="8444524"/>
+            <a:ext cx="9181149" cy="2610011"/>
           </a:xfrm>
         </p:spPr>
         <p:txBody>
@@ -1372,8 +1372,8 @@
         </p:nvSpPr>
         <p:spPr>
           <a:xfrm>
-            <a:off x="853241" y="5035617"/>
-            <a:ext cx="9181149" cy="2598936"/>
+            <a:off x="853244" y="5569861"/>
+            <a:ext cx="9181149" cy="2874665"/>
           </a:xfrm>
         </p:spPr>
         <p:txBody>
@@ -1496,7 +1496,7 @@
           <a:p>
             <a:fld id="{4D792E19-0BEC-4B8D-B7D3-C8ECEB03A1A5}" type="datetimeFigureOut">
               <a:rPr lang="en-GB" smtClean="0"/>
-              <a:t>05/06/2014</a:t>
+              <a:t>10/09/2014</a:t>
             </a:fld>
             <a:endParaRPr lang="en-GB"/>
           </a:p>
@@ -1609,8 +1609,8 @@
         </p:nvSpPr>
         <p:spPr>
           <a:xfrm>
-            <a:off x="540076" y="2772202"/>
-            <a:ext cx="4770597" cy="7840813"/>
+            <a:off x="540076" y="3066313"/>
+            <a:ext cx="4770597" cy="8672669"/>
           </a:xfrm>
         </p:spPr>
         <p:txBody>
@@ -1694,8 +1694,8 @@
         </p:nvSpPr>
         <p:spPr>
           <a:xfrm>
-            <a:off x="5490695" y="2772202"/>
-            <a:ext cx="4770597" cy="7840813"/>
+            <a:off x="5490695" y="3066313"/>
+            <a:ext cx="4770597" cy="8672669"/>
           </a:xfrm>
         </p:spPr>
         <p:txBody>
@@ -1784,7 +1784,7 @@
           <a:p>
             <a:fld id="{4D792E19-0BEC-4B8D-B7D3-C8ECEB03A1A5}" type="datetimeFigureOut">
               <a:rPr lang="en-GB" smtClean="0"/>
-              <a:t>05/06/2014</a:t>
+              <a:t>10/09/2014</a:t>
             </a:fld>
             <a:endParaRPr lang="en-GB"/>
           </a:p>
@@ -1901,8 +1901,8 @@
         </p:nvSpPr>
         <p:spPr>
           <a:xfrm>
-            <a:off x="540072" y="2659446"/>
-            <a:ext cx="4772472" cy="1108329"/>
+            <a:off x="540072" y="2941595"/>
+            <a:ext cx="4772472" cy="1225915"/>
           </a:xfrm>
         </p:spPr>
         <p:txBody>
@@ -1966,8 +1966,8 @@
         </p:nvSpPr>
         <p:spPr>
           <a:xfrm>
-            <a:off x="540072" y="3767773"/>
-            <a:ext cx="4772472" cy="6845242"/>
+            <a:off x="540072" y="4167508"/>
+            <a:ext cx="4772472" cy="7571474"/>
           </a:xfrm>
         </p:spPr>
         <p:txBody>
@@ -2051,8 +2051,8 @@
         </p:nvSpPr>
         <p:spPr>
           <a:xfrm>
-            <a:off x="5486948" y="2659446"/>
-            <a:ext cx="4774347" cy="1108329"/>
+            <a:off x="5486951" y="2941595"/>
+            <a:ext cx="4774347" cy="1225915"/>
           </a:xfrm>
         </p:spPr>
         <p:txBody>
@@ -2116,8 +2116,8 @@
         </p:nvSpPr>
         <p:spPr>
           <a:xfrm>
-            <a:off x="5486948" y="3767773"/>
-            <a:ext cx="4774347" cy="6845242"/>
+            <a:off x="5486951" y="4167508"/>
+            <a:ext cx="4774347" cy="7571474"/>
           </a:xfrm>
         </p:spPr>
         <p:txBody>
@@ -2206,7 +2206,7 @@
           <a:p>
             <a:fld id="{4D792E19-0BEC-4B8D-B7D3-C8ECEB03A1A5}" type="datetimeFigureOut">
               <a:rPr lang="en-GB" smtClean="0"/>
-              <a:t>05/06/2014</a:t>
+              <a:t>10/09/2014</a:t>
             </a:fld>
             <a:endParaRPr lang="en-GB"/>
           </a:p>
@@ -2324,7 +2324,7 @@
           <a:p>
             <a:fld id="{4D792E19-0BEC-4B8D-B7D3-C8ECEB03A1A5}" type="datetimeFigureOut">
               <a:rPr lang="en-GB" smtClean="0"/>
-              <a:t>05/06/2014</a:t>
+              <a:t>10/09/2014</a:t>
             </a:fld>
             <a:endParaRPr lang="en-GB"/>
           </a:p>
@@ -2419,7 +2419,7 @@
           <a:p>
             <a:fld id="{4D792E19-0BEC-4B8D-B7D3-C8ECEB03A1A5}" type="datetimeFigureOut">
               <a:rPr lang="en-GB" smtClean="0"/>
-              <a:t>05/06/2014</a:t>
+              <a:t>10/09/2014</a:t>
             </a:fld>
             <a:endParaRPr lang="en-GB"/>
           </a:p>
@@ -2509,8 +2509,8 @@
         </p:nvSpPr>
         <p:spPr>
           <a:xfrm>
-            <a:off x="540083" y="473041"/>
-            <a:ext cx="3553569" cy="2013145"/>
+            <a:off x="540086" y="523227"/>
+            <a:ext cx="3553569" cy="2226726"/>
           </a:xfrm>
         </p:spPr>
         <p:txBody>
@@ -2541,8 +2541,8 @@
         </p:nvSpPr>
         <p:spPr>
           <a:xfrm>
-            <a:off x="4223031" y="473041"/>
-            <a:ext cx="6038256" cy="10139977"/>
+            <a:off x="4223031" y="523228"/>
+            <a:ext cx="6038256" cy="11215758"/>
           </a:xfrm>
         </p:spPr>
         <p:txBody>
@@ -2626,8 +2626,8 @@
         </p:nvSpPr>
         <p:spPr>
           <a:xfrm>
-            <a:off x="540083" y="2486178"/>
-            <a:ext cx="3553569" cy="8126832"/>
+            <a:off x="540086" y="2749944"/>
+            <a:ext cx="3553569" cy="8989032"/>
           </a:xfrm>
         </p:spPr>
         <p:txBody>
@@ -2696,7 +2696,7 @@
           <a:p>
             <a:fld id="{4D792E19-0BEC-4B8D-B7D3-C8ECEB03A1A5}" type="datetimeFigureOut">
               <a:rPr lang="en-GB" smtClean="0"/>
-              <a:t>05/06/2014</a:t>
+              <a:t>10/09/2014</a:t>
             </a:fld>
             <a:endParaRPr lang="en-GB"/>
           </a:p>
@@ -2786,8 +2786,8 @@
         </p:nvSpPr>
         <p:spPr>
           <a:xfrm>
-            <a:off x="2117142" y="8316600"/>
-            <a:ext cx="6480810" cy="981819"/>
+            <a:off x="2117142" y="9198935"/>
+            <a:ext cx="6480810" cy="1085983"/>
           </a:xfrm>
         </p:spPr>
         <p:txBody>
@@ -2818,8 +2818,8 @@
         </p:nvSpPr>
         <p:spPr>
           <a:xfrm>
-            <a:off x="2117142" y="1061581"/>
-            <a:ext cx="6480810" cy="7128510"/>
+            <a:off x="2117142" y="1174208"/>
+            <a:ext cx="6480810" cy="7884795"/>
           </a:xfrm>
         </p:spPr>
         <p:txBody>
@@ -2879,8 +2879,8 @@
         </p:nvSpPr>
         <p:spPr>
           <a:xfrm>
-            <a:off x="2117142" y="9298418"/>
-            <a:ext cx="6480810" cy="1394350"/>
+            <a:off x="2117142" y="10284914"/>
+            <a:ext cx="6480810" cy="1542281"/>
           </a:xfrm>
         </p:spPr>
         <p:txBody>
@@ -2949,7 +2949,7 @@
           <a:p>
             <a:fld id="{4D792E19-0BEC-4B8D-B7D3-C8ECEB03A1A5}" type="datetimeFigureOut">
               <a:rPr lang="en-GB" smtClean="0"/>
-              <a:t>05/06/2014</a:t>
+              <a:t>10/09/2014</a:t>
             </a:fld>
             <a:endParaRPr lang="en-GB"/>
           </a:p>
@@ -3044,8 +3044,8 @@
         </p:nvSpPr>
         <p:spPr>
           <a:xfrm>
-            <a:off x="540079" y="475789"/>
-            <a:ext cx="9721215" cy="1980142"/>
+            <a:off x="540079" y="526267"/>
+            <a:ext cx="9721215" cy="2190222"/>
           </a:xfrm>
           <a:prstGeom prst="rect">
             <a:avLst/>
@@ -3077,8 +3077,8 @@
         </p:nvSpPr>
         <p:spPr>
           <a:xfrm>
-            <a:off x="540079" y="2772202"/>
-            <a:ext cx="9721215" cy="7840813"/>
+            <a:off x="540079" y="3066313"/>
+            <a:ext cx="9721215" cy="8672669"/>
           </a:xfrm>
           <a:prstGeom prst="rect">
             <a:avLst/>
@@ -3139,8 +3139,8 @@
         </p:nvSpPr>
         <p:spPr>
           <a:xfrm>
-            <a:off x="540080" y="11011791"/>
-            <a:ext cx="2520315" cy="632547"/>
+            <a:off x="540083" y="12180067"/>
+            <a:ext cx="2520315" cy="699656"/>
           </a:xfrm>
           <a:prstGeom prst="rect">
             <a:avLst/>
@@ -3162,7 +3162,7 @@
           <a:p>
             <a:fld id="{4D792E19-0BEC-4B8D-B7D3-C8ECEB03A1A5}" type="datetimeFigureOut">
               <a:rPr lang="en-GB" smtClean="0"/>
-              <a:t>05/06/2014</a:t>
+              <a:t>10/09/2014</a:t>
             </a:fld>
             <a:endParaRPr lang="en-GB"/>
           </a:p>
@@ -3180,8 +3180,8 @@
         </p:nvSpPr>
         <p:spPr>
           <a:xfrm>
-            <a:off x="3690472" y="11011791"/>
-            <a:ext cx="3420429" cy="632547"/>
+            <a:off x="3690472" y="12180067"/>
+            <a:ext cx="3420429" cy="699656"/>
           </a:xfrm>
           <a:prstGeom prst="rect">
             <a:avLst/>
@@ -3217,8 +3217,8 @@
         </p:nvSpPr>
         <p:spPr>
           <a:xfrm>
-            <a:off x="7740980" y="11011791"/>
-            <a:ext cx="2520315" cy="632547"/>
+            <a:off x="7740983" y="12180067"/>
+            <a:ext cx="2520315" cy="699656"/>
           </a:xfrm>
           <a:prstGeom prst="rect">
             <a:avLst/>
@@ -3539,7 +3539,7 @@
       </p:grpSpPr>
       <p:sp>
         <p:nvSpPr>
-          <p:cNvPr id="388" name="Rectangle 387"/>
+          <p:cNvPr id="320" name="Rectangle 319"/>
           <p:cNvSpPr/>
           <p:nvPr/>
         </p:nvSpPr>
@@ -3688,7 +3688,7 @@
       </p:sp>
       <p:sp>
         <p:nvSpPr>
-          <p:cNvPr id="389" name="Rectangle 388"/>
+          <p:cNvPr id="321" name="Rectangle 320"/>
           <p:cNvSpPr/>
           <p:nvPr/>
         </p:nvSpPr>
@@ -3837,7 +3837,7 @@
       </p:sp>
       <p:sp>
         <p:nvSpPr>
-          <p:cNvPr id="390" name="Rectangle 389"/>
+          <p:cNvPr id="322" name="Rectangle 321"/>
           <p:cNvSpPr/>
           <p:nvPr/>
         </p:nvSpPr>
@@ -3986,7 +3986,7 @@
       </p:sp>
       <p:sp>
         <p:nvSpPr>
-          <p:cNvPr id="391" name="Rectangle 390"/>
+          <p:cNvPr id="323" name="Rectangle 322"/>
           <p:cNvSpPr/>
           <p:nvPr/>
         </p:nvSpPr>
@@ -4135,7 +4135,7 @@
       </p:sp>
       <p:sp>
         <p:nvSpPr>
-          <p:cNvPr id="392" name="Rectangle 391"/>
+          <p:cNvPr id="324" name="Rectangle 323"/>
           <p:cNvSpPr/>
           <p:nvPr/>
         </p:nvSpPr>
@@ -4284,7 +4284,7 @@
       </p:sp>
       <p:sp>
         <p:nvSpPr>
-          <p:cNvPr id="393" name="Rectangle 392"/>
+          <p:cNvPr id="325" name="Rectangle 324"/>
           <p:cNvSpPr/>
           <p:nvPr/>
         </p:nvSpPr>
@@ -4433,7 +4433,7 @@
       </p:sp>
       <p:pic>
         <p:nvPicPr>
-          <p:cNvPr id="394" name="Picture 16" descr="C:\Users\Wendy\Documents\wwn20\Thesis\Chapter7\Figures\Fig17\AFM_scale.png"/>
+          <p:cNvPr id="326" name="Picture 16" descr="C:\Users\Wendy\Documents\wwn20\Thesis\Chapter7\Figures\Fig17\AFM_scale.png"/>
           <p:cNvPicPr>
             <a:picLocks noChangeAspect="1" noChangeArrowheads="1"/>
           </p:cNvPicPr>
@@ -4472,7 +4472,7 @@
       </p:pic>
       <p:pic>
         <p:nvPicPr>
-          <p:cNvPr id="395" name="Picture 15" descr="C:\Users\Wendy\Documents\wwn20\Thesis\Chapter7\Figures\Fig17\AFM.png"/>
+          <p:cNvPr id="327" name="Picture 15" descr="C:\Users\Wendy\Documents\wwn20\Thesis\Chapter7\Figures\Fig17\AFM.png"/>
           <p:cNvPicPr>
             <a:picLocks noChangeAspect="1" noChangeArrowheads="1"/>
           </p:cNvPicPr>
@@ -4511,7 +4511,7 @@
       </p:pic>
       <p:pic>
         <p:nvPicPr>
-          <p:cNvPr id="396" name="Picture 14" descr="C:\Users\Wendy\Documents\wwn20\Thesis\Chapter7\Figures\Fig17\TM_spec.png"/>
+          <p:cNvPr id="328" name="Picture 14" descr="C:\Users\Wendy\Documents\wwn20\Thesis\Chapter7\Figures\Fig17\TM_spec.png"/>
           <p:cNvPicPr>
             <a:picLocks noChangeAspect="1" noChangeArrowheads="1"/>
           </p:cNvPicPr>
@@ -4533,7 +4533,7 @@
         <p:spPr bwMode="auto">
           <a:xfrm>
             <a:off x="1435522" y="4225807"/>
-            <a:ext cx="3600000" cy="2444252"/>
+            <a:ext cx="4680000" cy="3177528"/>
           </a:xfrm>
           <a:prstGeom prst="rect">
             <a:avLst/>
@@ -4552,7 +4552,7 @@
       </p:pic>
       <p:pic>
         <p:nvPicPr>
-          <p:cNvPr id="397" name="Picture 13" descr="C:\Users\Wendy\Documents\wwn20\Thesis\Chapter7\Figures\Fig17\TE_spec.png"/>
+          <p:cNvPr id="329" name="Picture 13" descr="C:\Users\Wendy\Documents\wwn20\Thesis\Chapter7\Figures\Fig17\TE_spec.png"/>
           <p:cNvPicPr>
             <a:picLocks noChangeAspect="1" noChangeArrowheads="1"/>
           </p:cNvPicPr>
@@ -4573,8 +4573,8 @@
         </p:blipFill>
         <p:spPr bwMode="auto">
           <a:xfrm>
-            <a:off x="1395638" y="9329143"/>
-            <a:ext cx="3600000" cy="2444252"/>
+            <a:off x="1395638" y="9908675"/>
+            <a:ext cx="4680000" cy="3177528"/>
           </a:xfrm>
           <a:prstGeom prst="rect">
             <a:avLst/>
@@ -4593,7 +4593,7 @@
       </p:pic>
       <p:pic>
         <p:nvPicPr>
-          <p:cNvPr id="398" name="Picture 12" descr="C:\Users\Wendy\Documents\wwn20\Thesis\Chapter7\Figures\Fig17\CHPI_Ag_90_TE.png"/>
+          <p:cNvPr id="330" name="Picture 12" descr="C:\Users\Wendy\Documents\wwn20\Thesis\Chapter7\Figures\Fig17\CHPI_Ag_90_TE.png"/>
           <p:cNvPicPr>
             <a:picLocks noChangeAspect="1" noChangeArrowheads="1"/>
           </p:cNvPicPr>
@@ -4612,7 +4612,7 @@
         </p:blipFill>
         <p:spPr bwMode="auto">
           <a:xfrm>
-            <a:off x="8453282" y="7026974"/>
+            <a:off x="8453282" y="7606506"/>
             <a:ext cx="2233550" cy="2236286"/>
           </a:xfrm>
           <a:prstGeom prst="rect">
@@ -4632,7 +4632,7 @@
       </p:pic>
       <p:pic>
         <p:nvPicPr>
-          <p:cNvPr id="399" name="Picture 11" descr="C:\Users\Wendy\Documents\wwn20\Thesis\Chapter7\Figures\Fig17\CHPI_Ag_60_TE.png"/>
+          <p:cNvPr id="331" name="Picture 11" descr="C:\Users\Wendy\Documents\wwn20\Thesis\Chapter7\Figures\Fig17\CHPI_Ag_60_TE.png"/>
           <p:cNvPicPr>
             <a:picLocks noChangeAspect="1" noChangeArrowheads="1"/>
           </p:cNvPicPr>
@@ -4651,7 +4651,7 @@
         </p:blipFill>
         <p:spPr bwMode="auto">
           <a:xfrm>
-            <a:off x="6442035" y="7036499"/>
+            <a:off x="6442035" y="7616031"/>
             <a:ext cx="2244497" cy="2210855"/>
           </a:xfrm>
           <a:prstGeom prst="rect">
@@ -4671,7 +4671,7 @@
       </p:pic>
       <p:pic>
         <p:nvPicPr>
-          <p:cNvPr id="400" name="Picture 10" descr="C:\Users\Wendy\Documents\wwn20\Thesis\Chapter7\Figures\Fig17\CHPI_Ag_40_TE.png"/>
+          <p:cNvPr id="332" name="Picture 10" descr="C:\Users\Wendy\Documents\wwn20\Thesis\Chapter7\Figures\Fig17\CHPI_Ag_40_TE.png"/>
           <p:cNvPicPr>
             <a:picLocks noChangeAspect="1" noChangeArrowheads="1"/>
           </p:cNvPicPr>
@@ -4690,7 +4690,7 @@
         </p:blipFill>
         <p:spPr bwMode="auto">
           <a:xfrm>
-            <a:off x="4417688" y="7055548"/>
+            <a:off x="4417688" y="7635080"/>
             <a:ext cx="2267122" cy="2207712"/>
           </a:xfrm>
           <a:prstGeom prst="rect">
@@ -4710,7 +4710,7 @@
       </p:pic>
       <p:pic>
         <p:nvPicPr>
-          <p:cNvPr id="401" name="Picture 9" descr="C:\Users\Wendy\Documents\wwn20\Thesis\Chapter7\Figures\Fig17\CHPI_Ag_20_TE.png"/>
+          <p:cNvPr id="333" name="Picture 9" descr="C:\Users\Wendy\Documents\wwn20\Thesis\Chapter7\Figures\Fig17\CHPI_Ag_20_TE.png"/>
           <p:cNvPicPr>
             <a:picLocks noChangeAspect="1" noChangeArrowheads="1"/>
           </p:cNvPicPr>
@@ -4729,7 +4729,7 @@
         </p:blipFill>
         <p:spPr bwMode="auto">
           <a:xfrm>
-            <a:off x="2443874" y="7065073"/>
+            <a:off x="2443874" y="7644605"/>
             <a:ext cx="2246752" cy="2198186"/>
           </a:xfrm>
           <a:prstGeom prst="rect">
@@ -4749,7 +4749,7 @@
       </p:pic>
       <p:pic>
         <p:nvPicPr>
-          <p:cNvPr id="402" name="Picture 8" descr="C:\Users\Wendy\Documents\wwn20\Thesis\Chapter7\Figures\Fig17\CHPI_Ag_0_TE.png"/>
+          <p:cNvPr id="334" name="Picture 8" descr="C:\Users\Wendy\Documents\wwn20\Thesis\Chapter7\Figures\Fig17\CHPI_Ag_0_TE.png"/>
           <p:cNvPicPr>
             <a:picLocks noChangeAspect="1" noChangeArrowheads="1"/>
           </p:cNvPicPr>
@@ -4768,7 +4768,7 @@
         </p:blipFill>
         <p:spPr bwMode="auto">
           <a:xfrm>
-            <a:off x="435551" y="7036499"/>
+            <a:off x="435551" y="7616031"/>
             <a:ext cx="2247556" cy="2236285"/>
           </a:xfrm>
           <a:prstGeom prst="rect">
@@ -4788,7 +4788,7 @@
       </p:pic>
       <p:pic>
         <p:nvPicPr>
-          <p:cNvPr id="403" name="Picture 7" descr="C:\Users\Wendy\Documents\wwn20\Thesis\Chapter7\Figures\Fig17\CHPI_Ag_90_TM.png"/>
+          <p:cNvPr id="335" name="Picture 7" descr="C:\Users\Wendy\Documents\wwn20\Thesis\Chapter7\Figures\Fig17\CHPI_Ag_90_TM.png"/>
           <p:cNvPicPr>
             <a:picLocks noChangeAspect="1" noChangeArrowheads="1"/>
           </p:cNvPicPr>
@@ -4827,7 +4827,7 @@
       </p:pic>
       <p:pic>
         <p:nvPicPr>
-          <p:cNvPr id="404" name="Picture 6" descr="C:\Users\Wendy\Documents\wwn20\Thesis\Chapter7\Figures\Fig17\CHPI_Ag_60_TM.png"/>
+          <p:cNvPr id="336" name="Picture 6" descr="C:\Users\Wendy\Documents\wwn20\Thesis\Chapter7\Figures\Fig17\CHPI_Ag_60_TM.png"/>
           <p:cNvPicPr>
             <a:picLocks noChangeAspect="1" noChangeArrowheads="1"/>
           </p:cNvPicPr>
@@ -4866,7 +4866,7 @@
       </p:pic>
       <p:pic>
         <p:nvPicPr>
-          <p:cNvPr id="405" name="Picture 5" descr="C:\Users\Wendy\Documents\wwn20\Thesis\Chapter7\Figures\Fig17\CHPI_Ag_40_TM.png"/>
+          <p:cNvPr id="337" name="Picture 5" descr="C:\Users\Wendy\Documents\wwn20\Thesis\Chapter7\Figures\Fig17\CHPI_Ag_40_TM.png"/>
           <p:cNvPicPr>
             <a:picLocks noChangeAspect="1" noChangeArrowheads="1"/>
           </p:cNvPicPr>
@@ -4905,7 +4905,7 @@
       </p:pic>
       <p:pic>
         <p:nvPicPr>
-          <p:cNvPr id="406" name="Picture 4" descr="C:\Users\Wendy\Documents\wwn20\Thesis\Chapter7\Figures\Fig17\CHPI_Ag_20_TM.png"/>
+          <p:cNvPr id="338" name="Picture 4" descr="C:\Users\Wendy\Documents\wwn20\Thesis\Chapter7\Figures\Fig17\CHPI_Ag_20_TM.png"/>
           <p:cNvPicPr>
             <a:picLocks noChangeAspect="1" noChangeArrowheads="1"/>
           </p:cNvPicPr>
@@ -4944,7 +4944,7 @@
       </p:pic>
       <p:pic>
         <p:nvPicPr>
-          <p:cNvPr id="407" name="Picture 3" descr="C:\Users\Wendy\Documents\wwn20\Thesis\Chapter7\Figures\Fig17\CHPI_Ag_0_TM.png"/>
+          <p:cNvPr id="339" name="Picture 3" descr="C:\Users\Wendy\Documents\wwn20\Thesis\Chapter7\Figures\Fig17\CHPI_Ag_0_TM.png"/>
           <p:cNvPicPr>
             <a:picLocks noChangeAspect="1" noChangeArrowheads="1"/>
           </p:cNvPicPr>
@@ -4983,7 +4983,7 @@
       </p:pic>
       <p:pic>
         <p:nvPicPr>
-          <p:cNvPr id="408" name="Picture 12" descr="C:\Users\Wendy\Documents\wwn20\Thesis\Chapter7\Figures\Fig11\Scale.png"/>
+          <p:cNvPr id="340" name="Picture 12" descr="C:\Users\Wendy\Documents\wwn20\Thesis\Chapter7\Figures\Fig11\Scale.png"/>
           <p:cNvPicPr>
             <a:picLocks noChangeAspect="1" noChangeArrowheads="1"/>
           </p:cNvPicPr>
@@ -5002,8 +5002,8 @@
         </p:blipFill>
         <p:spPr bwMode="auto">
           <a:xfrm>
-            <a:off x="8963503" y="11173818"/>
-            <a:ext cx="1681742" cy="599577"/>
+            <a:off x="7919778" y="12059421"/>
+            <a:ext cx="2880000" cy="1026782"/>
           </a:xfrm>
           <a:prstGeom prst="rect">
             <a:avLst/>
@@ -5022,7 +5022,7 @@
       </p:pic>
       <p:sp>
         <p:nvSpPr>
-          <p:cNvPr id="409" name="TextBox 408"/>
+          <p:cNvPr id="341" name="TextBox 340"/>
           <p:cNvSpPr txBox="1"/>
           <p:nvPr/>
         </p:nvSpPr>
@@ -5058,7 +5058,7 @@
       </p:sp>
       <p:sp>
         <p:nvSpPr>
-          <p:cNvPr id="410" name="TextBox 409"/>
+          <p:cNvPr id="342" name="TextBox 341"/>
           <p:cNvSpPr txBox="1"/>
           <p:nvPr/>
         </p:nvSpPr>
@@ -5115,14 +5115,14 @@
       </p:sp>
       <p:sp>
         <p:nvSpPr>
-          <p:cNvPr id="411" name="TextBox 410"/>
+          <p:cNvPr id="343" name="TextBox 342"/>
           <p:cNvSpPr txBox="1"/>
           <p:nvPr/>
         </p:nvSpPr>
         <p:spPr>
           <a:xfrm>
             <a:off x="718660" y="1568606"/>
-            <a:ext cx="1873703" cy="400110"/>
+            <a:ext cx="2923407" cy="477054"/>
           </a:xfrm>
           <a:prstGeom prst="rect">
             <a:avLst/>
@@ -5136,23 +5136,23 @@
           <a:lstStyle/>
           <a:p>
             <a:r>
-              <a:rPr lang="en-GB" sz="2000" b="1" dirty="0" smtClean="0"/>
+              <a:rPr lang="en-GB" sz="2500" b="1" dirty="0" smtClean="0"/>
               <a:t>TM polarisation</a:t>
             </a:r>
-            <a:endParaRPr lang="en-GB" sz="2000" b="1" dirty="0"/>
+            <a:endParaRPr lang="en-GB" sz="2500" b="1" dirty="0"/>
           </a:p>
         </p:txBody>
       </p:sp>
       <p:sp>
         <p:nvSpPr>
-          <p:cNvPr id="412" name="TextBox 411"/>
+          <p:cNvPr id="344" name="TextBox 343"/>
           <p:cNvSpPr txBox="1"/>
           <p:nvPr/>
         </p:nvSpPr>
         <p:spPr>
           <a:xfrm>
-            <a:off x="718660" y="6696154"/>
-            <a:ext cx="1873703" cy="400110"/>
+            <a:off x="718660" y="7275686"/>
+            <a:ext cx="2923407" cy="477054"/>
           </a:xfrm>
           <a:prstGeom prst="rect">
             <a:avLst/>
@@ -5166,22 +5166,22 @@
           <a:lstStyle/>
           <a:p>
             <a:r>
-              <a:rPr lang="en-GB" sz="2000" b="1" dirty="0" smtClean="0"/>
+              <a:rPr lang="en-GB" sz="2500" b="1" dirty="0" smtClean="0"/>
               <a:t>TE polarisation</a:t>
             </a:r>
-            <a:endParaRPr lang="en-GB" sz="2000" b="1" dirty="0"/>
+            <a:endParaRPr lang="en-GB" sz="2500" b="1" dirty="0"/>
           </a:p>
         </p:txBody>
       </p:sp>
       <p:sp>
         <p:nvSpPr>
-          <p:cNvPr id="413" name="TextBox 412"/>
+          <p:cNvPr id="345" name="TextBox 344"/>
           <p:cNvSpPr txBox="1"/>
           <p:nvPr/>
         </p:nvSpPr>
         <p:spPr>
           <a:xfrm rot="16200000">
-            <a:off x="-859566" y="7744765"/>
+            <a:off x="-859566" y="8324297"/>
             <a:ext cx="2217242" cy="353943"/>
           </a:xfrm>
           <a:prstGeom prst="rect">
@@ -5211,13 +5211,13 @@
       </p:sp>
       <p:sp>
         <p:nvSpPr>
-          <p:cNvPr id="414" name="TextBox 413"/>
+          <p:cNvPr id="346" name="TextBox 345"/>
           <p:cNvSpPr txBox="1"/>
           <p:nvPr/>
         </p:nvSpPr>
         <p:spPr>
           <a:xfrm>
-            <a:off x="5177749" y="9199537"/>
+            <a:off x="5177749" y="9779069"/>
             <a:ext cx="972108" cy="353943"/>
           </a:xfrm>
           <a:prstGeom prst="rect">
@@ -5268,7 +5268,7 @@
       </p:sp>
       <p:sp>
         <p:nvSpPr>
-          <p:cNvPr id="415" name="TextBox 414"/>
+          <p:cNvPr id="347" name="TextBox 346"/>
           <p:cNvSpPr txBox="1"/>
           <p:nvPr/>
         </p:nvSpPr>
@@ -5306,7 +5306,7 @@
       </p:sp>
       <p:sp>
         <p:nvSpPr>
-          <p:cNvPr id="416" name="TextBox 415"/>
+          <p:cNvPr id="348" name="TextBox 347"/>
           <p:cNvSpPr txBox="1"/>
           <p:nvPr/>
         </p:nvSpPr>
@@ -5344,7 +5344,7 @@
       </p:sp>
       <p:sp>
         <p:nvSpPr>
-          <p:cNvPr id="417" name="TextBox 416"/>
+          <p:cNvPr id="349" name="TextBox 348"/>
           <p:cNvSpPr txBox="1"/>
           <p:nvPr/>
         </p:nvSpPr>
@@ -5382,7 +5382,7 @@
       </p:sp>
       <p:sp>
         <p:nvSpPr>
-          <p:cNvPr id="418" name="TextBox 417"/>
+          <p:cNvPr id="350" name="TextBox 349"/>
           <p:cNvSpPr txBox="1"/>
           <p:nvPr/>
         </p:nvSpPr>
@@ -5420,13 +5420,13 @@
       </p:sp>
       <p:sp>
         <p:nvSpPr>
-          <p:cNvPr id="419" name="TextBox 418"/>
+          <p:cNvPr id="351" name="TextBox 350"/>
           <p:cNvSpPr txBox="1"/>
           <p:nvPr/>
         </p:nvSpPr>
         <p:spPr>
           <a:xfrm>
-            <a:off x="2767676" y="8660057"/>
+            <a:off x="2767676" y="9239589"/>
             <a:ext cx="1022598" cy="369332"/>
           </a:xfrm>
           <a:prstGeom prst="rect">
@@ -5458,13 +5458,13 @@
       </p:sp>
       <p:sp>
         <p:nvSpPr>
-          <p:cNvPr id="420" name="TextBox 419"/>
+          <p:cNvPr id="352" name="TextBox 351"/>
           <p:cNvSpPr txBox="1"/>
           <p:nvPr/>
         </p:nvSpPr>
         <p:spPr>
           <a:xfrm>
-            <a:off x="4763622" y="8660057"/>
+            <a:off x="4763622" y="9239589"/>
             <a:ext cx="1022598" cy="369332"/>
           </a:xfrm>
           <a:prstGeom prst="rect">
@@ -5496,13 +5496,13 @@
       </p:sp>
       <p:sp>
         <p:nvSpPr>
-          <p:cNvPr id="421" name="TextBox 420"/>
+          <p:cNvPr id="353" name="TextBox 352"/>
           <p:cNvSpPr txBox="1"/>
           <p:nvPr/>
         </p:nvSpPr>
         <p:spPr>
           <a:xfrm>
-            <a:off x="6763832" y="8660057"/>
+            <a:off x="6763832" y="9239589"/>
             <a:ext cx="1022598" cy="369332"/>
           </a:xfrm>
           <a:prstGeom prst="rect">
@@ -5534,13 +5534,13 @@
       </p:sp>
       <p:sp>
         <p:nvSpPr>
-          <p:cNvPr id="422" name="TextBox 421"/>
+          <p:cNvPr id="354" name="TextBox 353"/>
           <p:cNvSpPr txBox="1"/>
           <p:nvPr/>
         </p:nvSpPr>
         <p:spPr>
           <a:xfrm>
-            <a:off x="8797542" y="8660057"/>
+            <a:off x="8797542" y="9239589"/>
             <a:ext cx="1022598" cy="369332"/>
           </a:xfrm>
           <a:prstGeom prst="rect">
@@ -5572,7 +5572,7 @@
       </p:sp>
       <p:sp>
         <p:nvSpPr>
-          <p:cNvPr id="423" name="Freeform 422"/>
+          <p:cNvPr id="355" name="Freeform 354"/>
           <p:cNvSpPr/>
           <p:nvPr/>
         </p:nvSpPr>
@@ -5661,13 +5661,13 @@
       </p:sp>
       <p:sp>
         <p:nvSpPr>
-          <p:cNvPr id="424" name="Freeform 423"/>
+          <p:cNvPr id="356" name="Freeform 355"/>
           <p:cNvSpPr/>
           <p:nvPr/>
         </p:nvSpPr>
         <p:spPr>
           <a:xfrm>
-            <a:off x="834327" y="9247354"/>
+            <a:off x="834327" y="9826886"/>
             <a:ext cx="446970" cy="1109679"/>
           </a:xfrm>
           <a:custGeom>
@@ -5750,7 +5750,7 @@
       </p:sp>
       <p:cxnSp>
         <p:nvCxnSpPr>
-          <p:cNvPr id="425" name="Straight Connector 424"/>
+          <p:cNvPr id="357" name="Straight Connector 356"/>
           <p:cNvCxnSpPr/>
           <p:nvPr/>
         </p:nvCxnSpPr>
@@ -5786,7 +5786,7 @@
       </p:cxnSp>
       <p:sp>
         <p:nvSpPr>
-          <p:cNvPr id="426" name="TextBox 425"/>
+          <p:cNvPr id="358" name="TextBox 357"/>
           <p:cNvSpPr txBox="1"/>
           <p:nvPr/>
         </p:nvSpPr>
@@ -5824,7 +5824,7 @@
       </p:sp>
       <p:cxnSp>
         <p:nvCxnSpPr>
-          <p:cNvPr id="427" name="Straight Connector 426"/>
+          <p:cNvPr id="359" name="Straight Connector 358"/>
           <p:cNvCxnSpPr/>
           <p:nvPr/>
         </p:nvCxnSpPr>
@@ -5859,7 +5859,7 @@
       </p:cxnSp>
       <p:sp>
         <p:nvSpPr>
-          <p:cNvPr id="428" name="TextBox 427"/>
+          <p:cNvPr id="360" name="TextBox 359"/>
           <p:cNvSpPr txBox="1"/>
           <p:nvPr/>
         </p:nvSpPr>
@@ -5897,7 +5897,7 @@
       </p:sp>
       <p:grpSp>
         <p:nvGrpSpPr>
-          <p:cNvPr id="429" name="Group 428"/>
+          <p:cNvPr id="361" name="Group 360"/>
           <p:cNvGrpSpPr/>
           <p:nvPr/>
         </p:nvGrpSpPr>
@@ -5911,7 +5911,7 @@
         </p:grpSpPr>
         <p:sp>
           <p:nvSpPr>
-            <p:cNvPr id="430" name="Rectangle 429"/>
+            <p:cNvPr id="362" name="Rectangle 361"/>
             <p:cNvSpPr/>
             <p:nvPr/>
           </p:nvSpPr>
@@ -6063,7 +6063,7 @@
         </p:sp>
         <p:sp>
           <p:nvSpPr>
-            <p:cNvPr id="431" name="Rectangle 430"/>
+            <p:cNvPr id="363" name="Rectangle 362"/>
             <p:cNvSpPr/>
             <p:nvPr/>
           </p:nvSpPr>
@@ -6215,7 +6215,7 @@
         </p:sp>
         <p:sp>
           <p:nvSpPr>
-            <p:cNvPr id="432" name="Rectangle 431"/>
+            <p:cNvPr id="364" name="Rectangle 363"/>
             <p:cNvSpPr/>
             <p:nvPr/>
           </p:nvSpPr>
@@ -6367,7 +6367,7 @@
         </p:sp>
         <p:sp>
           <p:nvSpPr>
-            <p:cNvPr id="433" name="Rectangle 432"/>
+            <p:cNvPr id="365" name="Rectangle 364"/>
             <p:cNvSpPr/>
             <p:nvPr/>
           </p:nvSpPr>
@@ -6519,7 +6519,7 @@
         </p:sp>
         <p:sp>
           <p:nvSpPr>
-            <p:cNvPr id="434" name="Rectangle 433"/>
+            <p:cNvPr id="366" name="Rectangle 365"/>
             <p:cNvSpPr/>
             <p:nvPr/>
           </p:nvSpPr>
@@ -6671,7 +6671,7 @@
         </p:sp>
         <p:sp>
           <p:nvSpPr>
-            <p:cNvPr id="435" name="Rectangle 434"/>
+            <p:cNvPr id="367" name="Rectangle 366"/>
             <p:cNvSpPr/>
             <p:nvPr/>
           </p:nvSpPr>
@@ -6824,7 +6824,7 @@
       </p:grpSp>
       <p:cxnSp>
         <p:nvCxnSpPr>
-          <p:cNvPr id="436" name="Straight Connector 435"/>
+          <p:cNvPr id="368" name="Straight Connector 367"/>
           <p:cNvCxnSpPr/>
           <p:nvPr/>
         </p:nvCxnSpPr>
@@ -6858,7 +6858,7 @@
       </p:cxnSp>
       <p:sp>
         <p:nvSpPr>
-          <p:cNvPr id="437" name="TextBox 436"/>
+          <p:cNvPr id="369" name="TextBox 368"/>
           <p:cNvSpPr txBox="1"/>
           <p:nvPr/>
         </p:nvSpPr>
@@ -6888,7 +6888,7 @@
       </p:sp>
       <p:cxnSp>
         <p:nvCxnSpPr>
-          <p:cNvPr id="438" name="Straight Connector 437"/>
+          <p:cNvPr id="370" name="Straight Connector 369"/>
           <p:cNvCxnSpPr/>
           <p:nvPr/>
         </p:nvCxnSpPr>
@@ -6922,7 +6922,7 @@
       </p:cxnSp>
       <p:sp>
         <p:nvSpPr>
-          <p:cNvPr id="439" name="TextBox 438"/>
+          <p:cNvPr id="371" name="TextBox 370"/>
           <p:cNvSpPr txBox="1"/>
           <p:nvPr/>
         </p:nvSpPr>
@@ -6952,7 +6952,7 @@
       </p:sp>
       <p:cxnSp>
         <p:nvCxnSpPr>
-          <p:cNvPr id="440" name="Straight Connector 439"/>
+          <p:cNvPr id="372" name="Straight Connector 371"/>
           <p:cNvCxnSpPr/>
           <p:nvPr/>
         </p:nvCxnSpPr>
@@ -6986,7 +6986,7 @@
       </p:cxnSp>
       <p:sp>
         <p:nvSpPr>
-          <p:cNvPr id="441" name="TextBox 440"/>
+          <p:cNvPr id="373" name="TextBox 372"/>
           <p:cNvSpPr txBox="1"/>
           <p:nvPr/>
         </p:nvSpPr>
@@ -7020,7 +7020,7 @@
       </p:sp>
       <p:cxnSp>
         <p:nvCxnSpPr>
-          <p:cNvPr id="442" name="Straight Connector 441"/>
+          <p:cNvPr id="374" name="Straight Connector 373"/>
           <p:cNvCxnSpPr/>
           <p:nvPr/>
         </p:nvCxnSpPr>
@@ -7056,7 +7056,7 @@
       </p:cxnSp>
       <p:cxnSp>
         <p:nvCxnSpPr>
-          <p:cNvPr id="443" name="Straight Connector 442"/>
+          <p:cNvPr id="375" name="Straight Connector 374"/>
           <p:cNvCxnSpPr/>
           <p:nvPr/>
         </p:nvCxnSpPr>
@@ -7092,13 +7092,13 @@
       </p:cxnSp>
       <p:cxnSp>
         <p:nvCxnSpPr>
-          <p:cNvPr id="444" name="Straight Connector 443"/>
+          <p:cNvPr id="376" name="Straight Connector 375"/>
           <p:cNvCxnSpPr/>
           <p:nvPr/>
         </p:nvCxnSpPr>
         <p:spPr>
           <a:xfrm>
-            <a:off x="1054449" y="7162781"/>
+            <a:off x="1054449" y="7742313"/>
             <a:ext cx="0" cy="1872000"/>
           </a:xfrm>
           <a:prstGeom prst="line">
@@ -7128,13 +7128,13 @@
       </p:cxnSp>
       <p:cxnSp>
         <p:nvCxnSpPr>
-          <p:cNvPr id="445" name="Straight Connector 444"/>
+          <p:cNvPr id="377" name="Straight Connector 376"/>
           <p:cNvCxnSpPr/>
           <p:nvPr/>
         </p:nvCxnSpPr>
         <p:spPr>
           <a:xfrm>
-            <a:off x="1682269" y="7165463"/>
+            <a:off x="1682269" y="7744995"/>
             <a:ext cx="0" cy="1872000"/>
           </a:xfrm>
           <a:prstGeom prst="line">
@@ -7164,13 +7164,13 @@
       </p:cxnSp>
       <p:cxnSp>
         <p:nvCxnSpPr>
-          <p:cNvPr id="446" name="Straight Connector 445"/>
+          <p:cNvPr id="378" name="Straight Connector 377"/>
           <p:cNvCxnSpPr/>
           <p:nvPr/>
         </p:nvCxnSpPr>
         <p:spPr>
           <a:xfrm>
-            <a:off x="2301463" y="7159621"/>
+            <a:off x="2301463" y="7739153"/>
             <a:ext cx="0" cy="1872000"/>
           </a:xfrm>
           <a:prstGeom prst="line">
@@ -7200,13 +7200,13 @@
       </p:cxnSp>
       <p:sp>
         <p:nvSpPr>
-          <p:cNvPr id="447" name="TextBox 446"/>
+          <p:cNvPr id="379" name="TextBox 378"/>
           <p:cNvSpPr txBox="1"/>
           <p:nvPr/>
         </p:nvSpPr>
         <p:spPr>
           <a:xfrm>
-            <a:off x="721291" y="8660057"/>
+            <a:off x="721291" y="9239589"/>
             <a:ext cx="843475" cy="369332"/>
           </a:xfrm>
           <a:prstGeom prst="rect">
@@ -7238,7 +7238,7 @@
       </p:sp>
       <p:cxnSp>
         <p:nvCxnSpPr>
-          <p:cNvPr id="448" name="Straight Connector 447"/>
+          <p:cNvPr id="380" name="Straight Connector 379"/>
           <p:cNvCxnSpPr/>
           <p:nvPr/>
         </p:nvCxnSpPr>
@@ -7272,7 +7272,7 @@
       </p:cxnSp>
       <p:sp>
         <p:nvSpPr>
-          <p:cNvPr id="449" name="TextBox 448"/>
+          <p:cNvPr id="381" name="TextBox 380"/>
           <p:cNvSpPr txBox="1"/>
           <p:nvPr/>
         </p:nvSpPr>
@@ -7302,7 +7302,7 @@
       </p:sp>
       <p:cxnSp>
         <p:nvCxnSpPr>
-          <p:cNvPr id="450" name="Straight Connector 449"/>
+          <p:cNvPr id="382" name="Straight Connector 381"/>
           <p:cNvCxnSpPr/>
           <p:nvPr/>
         </p:nvCxnSpPr>
@@ -7336,7 +7336,7 @@
       </p:cxnSp>
       <p:sp>
         <p:nvSpPr>
-          <p:cNvPr id="451" name="TextBox 450"/>
+          <p:cNvPr id="383" name="TextBox 382"/>
           <p:cNvSpPr txBox="1"/>
           <p:nvPr/>
         </p:nvSpPr>
@@ -7366,7 +7366,7 @@
       </p:sp>
       <p:cxnSp>
         <p:nvCxnSpPr>
-          <p:cNvPr id="452" name="Straight Arrow Connector 451"/>
+          <p:cNvPr id="384" name="Straight Arrow Connector 383"/>
           <p:cNvCxnSpPr/>
           <p:nvPr/>
         </p:nvCxnSpPr>
@@ -7402,7 +7402,7 @@
       </p:cxnSp>
       <p:cxnSp>
         <p:nvCxnSpPr>
-          <p:cNvPr id="453" name="Straight Arrow Connector 452"/>
+          <p:cNvPr id="385" name="Straight Arrow Connector 384"/>
           <p:cNvCxnSpPr/>
           <p:nvPr/>
         </p:nvCxnSpPr>
@@ -7438,7 +7438,7 @@
       </p:cxnSp>
       <p:cxnSp>
         <p:nvCxnSpPr>
-          <p:cNvPr id="454" name="Straight Arrow Connector 453"/>
+          <p:cNvPr id="386" name="Straight Arrow Connector 385"/>
           <p:cNvCxnSpPr/>
           <p:nvPr/>
         </p:nvCxnSpPr>
@@ -7474,7 +7474,7 @@
       </p:cxnSp>
       <p:cxnSp>
         <p:nvCxnSpPr>
-          <p:cNvPr id="455" name="Straight Arrow Connector 454"/>
+          <p:cNvPr id="387" name="Straight Arrow Connector 386"/>
           <p:cNvCxnSpPr/>
           <p:nvPr/>
         </p:nvCxnSpPr>
@@ -7510,7 +7510,7 @@
       </p:cxnSp>
       <p:cxnSp>
         <p:nvCxnSpPr>
-          <p:cNvPr id="456" name="Straight Arrow Connector 455"/>
+          <p:cNvPr id="476" name="Straight Arrow Connector 475"/>
           <p:cNvCxnSpPr/>
           <p:nvPr/>
         </p:nvCxnSpPr>
@@ -7546,7 +7546,7 @@
       </p:cxnSp>
       <p:cxnSp>
         <p:nvCxnSpPr>
-          <p:cNvPr id="457" name="Straight Arrow Connector 456"/>
+          <p:cNvPr id="481" name="Straight Arrow Connector 480"/>
           <p:cNvCxnSpPr/>
           <p:nvPr/>
         </p:nvCxnSpPr>
@@ -7582,7 +7582,7 @@
       </p:cxnSp>
       <p:cxnSp>
         <p:nvCxnSpPr>
-          <p:cNvPr id="458" name="Straight Arrow Connector 457"/>
+          <p:cNvPr id="485" name="Straight Arrow Connector 484"/>
           <p:cNvCxnSpPr/>
           <p:nvPr/>
         </p:nvCxnSpPr>
@@ -7618,7 +7618,7 @@
       </p:cxnSp>
       <p:cxnSp>
         <p:nvCxnSpPr>
-          <p:cNvPr id="459" name="Straight Arrow Connector 458"/>
+          <p:cNvPr id="493" name="Straight Arrow Connector 492"/>
           <p:cNvCxnSpPr/>
           <p:nvPr/>
         </p:nvCxnSpPr>
@@ -7654,7 +7654,7 @@
       </p:cxnSp>
       <p:cxnSp>
         <p:nvCxnSpPr>
-          <p:cNvPr id="460" name="Straight Arrow Connector 459"/>
+          <p:cNvPr id="494" name="Straight Arrow Connector 493"/>
           <p:cNvCxnSpPr/>
           <p:nvPr/>
         </p:nvCxnSpPr>
@@ -7690,7 +7690,7 @@
       </p:cxnSp>
       <p:cxnSp>
         <p:nvCxnSpPr>
-          <p:cNvPr id="461" name="Straight Arrow Connector 460"/>
+          <p:cNvPr id="495" name="Straight Arrow Connector 494"/>
           <p:cNvCxnSpPr/>
           <p:nvPr/>
         </p:nvCxnSpPr>
@@ -7726,13 +7726,13 @@
       </p:cxnSp>
       <p:cxnSp>
         <p:nvCxnSpPr>
-          <p:cNvPr id="462" name="Straight Arrow Connector 461"/>
+          <p:cNvPr id="496" name="Straight Arrow Connector 495"/>
           <p:cNvCxnSpPr/>
           <p:nvPr/>
         </p:nvCxnSpPr>
         <p:spPr>
           <a:xfrm>
-            <a:off x="743370" y="7585223"/>
+            <a:off x="743370" y="8164755"/>
             <a:ext cx="252000" cy="0"/>
           </a:xfrm>
           <a:prstGeom prst="straightConnector1">
@@ -7762,13 +7762,13 @@
       </p:cxnSp>
       <p:cxnSp>
         <p:nvCxnSpPr>
-          <p:cNvPr id="463" name="Straight Arrow Connector 462"/>
+          <p:cNvPr id="497" name="Straight Arrow Connector 496"/>
           <p:cNvCxnSpPr/>
           <p:nvPr/>
         </p:nvCxnSpPr>
         <p:spPr>
           <a:xfrm>
-            <a:off x="2746886" y="7580520"/>
+            <a:off x="2746886" y="8160052"/>
             <a:ext cx="252000" cy="0"/>
           </a:xfrm>
           <a:prstGeom prst="straightConnector1">
@@ -7798,13 +7798,13 @@
       </p:cxnSp>
       <p:cxnSp>
         <p:nvCxnSpPr>
-          <p:cNvPr id="464" name="Straight Arrow Connector 463"/>
+          <p:cNvPr id="498" name="Straight Arrow Connector 497"/>
           <p:cNvCxnSpPr/>
           <p:nvPr/>
         </p:nvCxnSpPr>
         <p:spPr>
           <a:xfrm>
-            <a:off x="4743638" y="7581162"/>
+            <a:off x="4743638" y="8160694"/>
             <a:ext cx="252000" cy="0"/>
           </a:xfrm>
           <a:prstGeom prst="straightConnector1">
@@ -7834,13 +7834,13 @@
       </p:cxnSp>
       <p:cxnSp>
         <p:nvCxnSpPr>
-          <p:cNvPr id="465" name="Straight Arrow Connector 464"/>
+          <p:cNvPr id="499" name="Straight Arrow Connector 498"/>
           <p:cNvCxnSpPr/>
           <p:nvPr/>
         </p:nvCxnSpPr>
         <p:spPr>
           <a:xfrm>
-            <a:off x="6747923" y="7580199"/>
+            <a:off x="6747923" y="8159731"/>
             <a:ext cx="252000" cy="0"/>
           </a:xfrm>
           <a:prstGeom prst="straightConnector1">
@@ -7870,13 +7870,13 @@
       </p:cxnSp>
       <p:cxnSp>
         <p:nvCxnSpPr>
-          <p:cNvPr id="466" name="Straight Arrow Connector 465"/>
+          <p:cNvPr id="500" name="Straight Arrow Connector 499"/>
           <p:cNvCxnSpPr/>
           <p:nvPr/>
         </p:nvCxnSpPr>
         <p:spPr>
           <a:xfrm>
-            <a:off x="8754099" y="7570151"/>
+            <a:off x="8754099" y="8149683"/>
             <a:ext cx="252000" cy="0"/>
           </a:xfrm>
           <a:prstGeom prst="straightConnector1">
@@ -7906,7 +7906,7 @@
       </p:cxnSp>
       <p:sp>
         <p:nvSpPr>
-          <p:cNvPr id="467" name="TextBox 466"/>
+          <p:cNvPr id="501" name="TextBox 500"/>
           <p:cNvSpPr txBox="1"/>
           <p:nvPr/>
         </p:nvSpPr>
@@ -7936,7 +7936,7 @@
       </p:sp>
       <p:sp>
         <p:nvSpPr>
-          <p:cNvPr id="468" name="TextBox 467"/>
+          <p:cNvPr id="502" name="TextBox 501"/>
           <p:cNvSpPr txBox="1"/>
           <p:nvPr/>
         </p:nvSpPr>
@@ -7966,7 +7966,7 @@
       </p:sp>
       <p:sp>
         <p:nvSpPr>
-          <p:cNvPr id="469" name="TextBox 468"/>
+          <p:cNvPr id="503" name="TextBox 502"/>
           <p:cNvSpPr txBox="1"/>
           <p:nvPr/>
         </p:nvSpPr>
@@ -7996,13 +7996,13 @@
       </p:sp>
       <p:sp>
         <p:nvSpPr>
-          <p:cNvPr id="470" name="TextBox 469"/>
+          <p:cNvPr id="504" name="TextBox 503"/>
           <p:cNvSpPr txBox="1"/>
           <p:nvPr/>
         </p:nvSpPr>
         <p:spPr>
           <a:xfrm>
-            <a:off x="75" y="6657682"/>
+            <a:off x="75" y="7237214"/>
             <a:ext cx="645764" cy="477054"/>
           </a:xfrm>
           <a:prstGeom prst="rect">
@@ -8026,13 +8026,13 @@
       </p:sp>
       <p:sp>
         <p:nvSpPr>
-          <p:cNvPr id="471" name="TextBox 470"/>
+          <p:cNvPr id="505" name="TextBox 504"/>
           <p:cNvSpPr txBox="1"/>
           <p:nvPr/>
         </p:nvSpPr>
         <p:spPr>
           <a:xfrm>
-            <a:off x="1226519" y="3879037"/>
+            <a:off x="1226519" y="4167872"/>
             <a:ext cx="645764" cy="477054"/>
           </a:xfrm>
           <a:prstGeom prst="rect">
@@ -8056,13 +8056,13 @@
       </p:sp>
       <p:sp>
         <p:nvSpPr>
-          <p:cNvPr id="472" name="TextBox 471"/>
+          <p:cNvPr id="506" name="TextBox 505"/>
           <p:cNvSpPr txBox="1"/>
           <p:nvPr/>
         </p:nvSpPr>
         <p:spPr>
           <a:xfrm>
-            <a:off x="1226519" y="8959284"/>
+            <a:off x="1226519" y="9859972"/>
             <a:ext cx="645764" cy="477054"/>
           </a:xfrm>
           <a:prstGeom prst="rect">
@@ -8086,7 +8086,7 @@
       </p:sp>
       <p:sp>
         <p:nvSpPr>
-          <p:cNvPr id="473" name="Freeform 472"/>
+          <p:cNvPr id="507" name="Freeform 506"/>
           <p:cNvSpPr/>
           <p:nvPr/>
         </p:nvSpPr>
@@ -8675,7 +8675,7 @@
       </p:sp>
       <p:sp>
         <p:nvSpPr>
-          <p:cNvPr id="474" name="Freeform 473"/>
+          <p:cNvPr id="508" name="Freeform 507"/>
           <p:cNvSpPr/>
           <p:nvPr/>
         </p:nvSpPr>
@@ -9132,7 +9132,7 @@
       </p:sp>
       <p:sp>
         <p:nvSpPr>
-          <p:cNvPr id="475" name="Freeform 474"/>
+          <p:cNvPr id="509" name="Freeform 508"/>
           <p:cNvSpPr/>
           <p:nvPr/>
         </p:nvSpPr>
@@ -10059,7 +10059,7 @@
       </p:sp>
       <p:sp>
         <p:nvSpPr>
-          <p:cNvPr id="477" name="Freeform 476"/>
+          <p:cNvPr id="510" name="Freeform 509"/>
           <p:cNvSpPr/>
           <p:nvPr/>
         </p:nvSpPr>
@@ -10646,7 +10646,7 @@
       </p:sp>
       <p:sp>
         <p:nvSpPr>
-          <p:cNvPr id="478" name="Freeform 477"/>
+          <p:cNvPr id="511" name="Freeform 510"/>
           <p:cNvSpPr/>
           <p:nvPr/>
         </p:nvSpPr>
@@ -11233,7 +11233,7 @@
       </p:sp>
       <p:sp>
         <p:nvSpPr>
-          <p:cNvPr id="479" name="Freeform 478"/>
+          <p:cNvPr id="512" name="Freeform 511"/>
           <p:cNvSpPr/>
           <p:nvPr/>
         </p:nvSpPr>
@@ -11820,7 +11820,7 @@
       </p:sp>
       <p:sp>
         <p:nvSpPr>
-          <p:cNvPr id="480" name="Freeform 479"/>
+          <p:cNvPr id="513" name="Freeform 512"/>
           <p:cNvSpPr/>
           <p:nvPr/>
         </p:nvSpPr>
@@ -12407,7 +12407,7 @@
       </p:sp>
       <p:sp>
         <p:nvSpPr>
-          <p:cNvPr id="482" name="Freeform 481"/>
+          <p:cNvPr id="514" name="Freeform 513"/>
           <p:cNvSpPr/>
           <p:nvPr/>
         </p:nvSpPr>
@@ -13160,7 +13160,7 @@
       </p:sp>
       <p:sp>
         <p:nvSpPr>
-          <p:cNvPr id="483" name="Freeform 482"/>
+          <p:cNvPr id="515" name="Freeform 514"/>
           <p:cNvSpPr/>
           <p:nvPr/>
         </p:nvSpPr>
@@ -13747,7 +13747,7 @@
       </p:sp>
       <p:sp>
         <p:nvSpPr>
-          <p:cNvPr id="484" name="Freeform 483"/>
+          <p:cNvPr id="516" name="Freeform 515"/>
           <p:cNvSpPr/>
           <p:nvPr/>
         </p:nvSpPr>
@@ -15366,7 +15366,7 @@
       </p:sp>
       <p:sp>
         <p:nvSpPr>
-          <p:cNvPr id="486" name="Freeform 485"/>
+          <p:cNvPr id="517" name="Freeform 516"/>
           <p:cNvSpPr/>
           <p:nvPr/>
         </p:nvSpPr>
@@ -16167,7 +16167,7 @@
       </p:sp>
       <p:sp>
         <p:nvSpPr>
-          <p:cNvPr id="487" name="Freeform 486"/>
+          <p:cNvPr id="518" name="Freeform 517"/>
           <p:cNvSpPr/>
           <p:nvPr/>
         </p:nvSpPr>
@@ -17112,14 +17112,14 @@
       </p:sp>
       <p:cxnSp>
         <p:nvCxnSpPr>
-          <p:cNvPr id="488" name="Straight Arrow Connector 487"/>
+          <p:cNvPr id="519" name="Straight Arrow Connector 518"/>
           <p:cNvCxnSpPr/>
           <p:nvPr/>
         </p:nvCxnSpPr>
         <p:spPr>
           <a:xfrm>
-            <a:off x="3090289" y="5450380"/>
-            <a:ext cx="0" cy="180000"/>
+            <a:off x="3588516" y="5663921"/>
+            <a:ext cx="0" cy="360000"/>
           </a:xfrm>
           <a:prstGeom prst="straightConnector1">
             <a:avLst/>
@@ -17130,7 +17130,7 @@
                 <a:lumMod val="50000"/>
               </a:schemeClr>
             </a:solidFill>
-            <a:tailEnd type="arrow" w="sm" len="sm"/>
+            <a:tailEnd type="arrow" w="lg" len="lg"/>
           </a:ln>
         </p:spPr>
         <p:style>
@@ -17150,14 +17150,14 @@
       </p:cxnSp>
       <p:cxnSp>
         <p:nvCxnSpPr>
-          <p:cNvPr id="489" name="Straight Arrow Connector 488"/>
+          <p:cNvPr id="520" name="Straight Arrow Connector 519"/>
           <p:cNvCxnSpPr/>
           <p:nvPr/>
         </p:nvCxnSpPr>
         <p:spPr>
           <a:xfrm>
-            <a:off x="3716373" y="5717086"/>
-            <a:ext cx="0" cy="180000"/>
+            <a:off x="4412666" y="6077086"/>
+            <a:ext cx="0" cy="360000"/>
           </a:xfrm>
           <a:prstGeom prst="straightConnector1">
             <a:avLst/>
@@ -17166,7 +17166,7 @@
             <a:solidFill>
               <a:schemeClr val="tx1"/>
             </a:solidFill>
-            <a:tailEnd type="arrow" w="sm" len="sm"/>
+            <a:tailEnd type="arrow" w="lg" len="lg"/>
           </a:ln>
         </p:spPr>
         <p:style>
@@ -17186,14 +17186,14 @@
       </p:cxnSp>
       <p:cxnSp>
         <p:nvCxnSpPr>
-          <p:cNvPr id="490" name="Straight Arrow Connector 489"/>
+          <p:cNvPr id="521" name="Straight Arrow Connector 520"/>
           <p:cNvCxnSpPr/>
           <p:nvPr/>
         </p:nvCxnSpPr>
         <p:spPr>
           <a:xfrm>
-            <a:off x="3844322" y="4979207"/>
-            <a:ext cx="0" cy="180000"/>
+            <a:off x="4579426" y="5079747"/>
+            <a:ext cx="0" cy="360000"/>
           </a:xfrm>
           <a:prstGeom prst="straightConnector1">
             <a:avLst/>
@@ -17204,7 +17204,7 @@
                 <a:lumMod val="50000"/>
               </a:schemeClr>
             </a:solidFill>
-            <a:tailEnd type="arrow" w="sm" len="sm"/>
+            <a:tailEnd type="arrow" w="lg" len="lg"/>
           </a:ln>
         </p:spPr>
         <p:style>
@@ -17224,14 +17224,14 @@
       </p:cxnSp>
       <p:cxnSp>
         <p:nvCxnSpPr>
-          <p:cNvPr id="491" name="Straight Arrow Connector 490"/>
+          <p:cNvPr id="522" name="Straight Arrow Connector 521"/>
           <p:cNvCxnSpPr/>
           <p:nvPr/>
         </p:nvCxnSpPr>
         <p:spPr>
           <a:xfrm>
-            <a:off x="4041421" y="5270380"/>
-            <a:ext cx="0" cy="180000"/>
+            <a:off x="4825479" y="5450380"/>
+            <a:ext cx="0" cy="360000"/>
           </a:xfrm>
           <a:prstGeom prst="straightConnector1">
             <a:avLst/>
@@ -17240,7 +17240,7 @@
             <a:solidFill>
               <a:schemeClr val="tx1"/>
             </a:solidFill>
-            <a:tailEnd type="arrow" w="sm" len="sm"/>
+            <a:tailEnd type="arrow" w="lg" len="lg"/>
           </a:ln>
         </p:spPr>
         <p:style>
@@ -17260,14 +17260,14 @@
       </p:cxnSp>
       <p:cxnSp>
         <p:nvCxnSpPr>
-          <p:cNvPr id="492" name="Straight Arrow Connector 491"/>
+          <p:cNvPr id="523" name="Straight Arrow Connector 522"/>
           <p:cNvCxnSpPr/>
           <p:nvPr/>
         </p:nvCxnSpPr>
         <p:spPr>
           <a:xfrm>
-            <a:off x="4461578" y="4628950"/>
-            <a:ext cx="0" cy="180000"/>
+            <a:off x="5338127" y="4660849"/>
+            <a:ext cx="0" cy="360000"/>
           </a:xfrm>
           <a:prstGeom prst="straightConnector1">
             <a:avLst/>
@@ -17278,7 +17278,7 @@
                 <a:lumMod val="50000"/>
               </a:schemeClr>
             </a:solidFill>
-            <a:tailEnd type="arrow" w="sm" len="sm"/>
+            <a:tailEnd type="arrow" w="lg" len="lg"/>
           </a:ln>
         </p:spPr>
         <p:style>
@@ -17298,7 +17298,7 @@
       </p:cxnSp>
       <p:sp>
         <p:nvSpPr>
-          <p:cNvPr id="104" name="TextBox 103"/>
+          <p:cNvPr id="524" name="TextBox 523"/>
           <p:cNvSpPr txBox="1"/>
           <p:nvPr/>
         </p:nvSpPr>
@@ -17328,7 +17328,7 @@
       </p:sp>
       <p:cxnSp>
         <p:nvCxnSpPr>
-          <p:cNvPr id="105" name="Straight Connector 104"/>
+          <p:cNvPr id="525" name="Straight Connector 524"/>
           <p:cNvCxnSpPr/>
           <p:nvPr/>
         </p:nvCxnSpPr>
@@ -17363,7 +17363,7 @@
       </p:cxnSp>
       <p:sp>
         <p:nvSpPr>
-          <p:cNvPr id="106" name="TextBox 105"/>
+          <p:cNvPr id="526" name="TextBox 525"/>
           <p:cNvSpPr txBox="1"/>
           <p:nvPr/>
         </p:nvSpPr>
@@ -17393,7 +17393,7 @@
       </p:sp>
       <p:cxnSp>
         <p:nvCxnSpPr>
-          <p:cNvPr id="107" name="Straight Connector 106"/>
+          <p:cNvPr id="527" name="Straight Connector 526"/>
           <p:cNvCxnSpPr/>
           <p:nvPr/>
         </p:nvCxnSpPr>
